--- a/lecture_notes/introduction/introduction.pptx
+++ b/lecture_notes/introduction/introduction.pptx
@@ -11,8 +11,8 @@
     <p:sldId id="256" r:id="rId2"/>
     <p:sldId id="257" r:id="rId3"/>
     <p:sldId id="261" r:id="rId4"/>
-    <p:sldId id="258" r:id="rId5"/>
-    <p:sldId id="262" r:id="rId6"/>
+    <p:sldId id="262" r:id="rId5"/>
+    <p:sldId id="264" r:id="rId6"/>
     <p:sldId id="263" r:id="rId7"/>
     <p:sldId id="259" r:id="rId8"/>
     <p:sldId id="260" r:id="rId9"/>
@@ -125,6 +125,7 @@
 <file path=ppt/revisionInfo.xml><?xml version="1.0" encoding="utf-8"?>
 <p1510:revInfo xmlns:a="http://schemas.openxmlformats.org/drawingml/2006/main" xmlns:r="http://schemas.openxmlformats.org/officeDocument/2006/relationships" xmlns:p1510="http://schemas.microsoft.com/office/powerpoint/2015/10/main">
   <p1510:revLst>
+    <p1510:client id="{0113305C-7192-47BF-9775-3260CB52C00F}" v="5" dt="2024-09-04T18:37:39.670"/>
     <p1510:client id="{16F7336D-CCFA-43EB-9340-38F6E85F4A95}" v="5" dt="2024-09-04T04:24:38.219"/>
   </p1510:revLst>
 </p1510:revInfo>
@@ -132,6 +133,183 @@
 
 <file path=ppt/changesInfos/changesInfo1.xml><?xml version="1.0" encoding="utf-8"?>
 <pc:chgInfo xmlns:a="http://schemas.openxmlformats.org/drawingml/2006/main" xmlns:r="http://schemas.openxmlformats.org/officeDocument/2006/relationships" xmlns:ac="http://schemas.microsoft.com/office/drawing/2013/main/command" xmlns:pc="http://schemas.microsoft.com/office/powerpoint/2013/main/command">
+  <pc:docChgLst>
+    <pc:chgData name="Toby Donaldson" userId="2e6e5431-bb17-4c41-9985-d39c50d83c73" providerId="ADAL" clId="{0113305C-7192-47BF-9775-3260CB52C00F}"/>
+    <pc:docChg chg="undo redo custSel addSld delSld modSld modMainMaster">
+      <pc:chgData name="Toby Donaldson" userId="2e6e5431-bb17-4c41-9985-d39c50d83c73" providerId="ADAL" clId="{0113305C-7192-47BF-9775-3260CB52C00F}" dt="2024-09-04T18:46:24.745" v="252" actId="20577"/>
+      <pc:docMkLst>
+        <pc:docMk/>
+      </pc:docMkLst>
+      <pc:sldChg chg="addSp modSp mod setBg">
+        <pc:chgData name="Toby Donaldson" userId="2e6e5431-bb17-4c41-9985-d39c50d83c73" providerId="ADAL" clId="{0113305C-7192-47BF-9775-3260CB52C00F}" dt="2024-09-04T18:34:02.417" v="41" actId="1076"/>
+        <pc:sldMkLst>
+          <pc:docMk/>
+          <pc:sldMk cId="16669659" sldId="256"/>
+        </pc:sldMkLst>
+        <pc:spChg chg="mod">
+          <ac:chgData name="Toby Donaldson" userId="2e6e5431-bb17-4c41-9985-d39c50d83c73" providerId="ADAL" clId="{0113305C-7192-47BF-9775-3260CB52C00F}" dt="2024-09-04T18:34:02.417" v="41" actId="1076"/>
+          <ac:spMkLst>
+            <pc:docMk/>
+            <pc:sldMk cId="16669659" sldId="256"/>
+            <ac:spMk id="2" creationId="{BD71DA89-3530-B718-3FCA-D6AF6AE79A23}"/>
+          </ac:spMkLst>
+        </pc:spChg>
+        <pc:spChg chg="mod">
+          <ac:chgData name="Toby Donaldson" userId="2e6e5431-bb17-4c41-9985-d39c50d83c73" providerId="ADAL" clId="{0113305C-7192-47BF-9775-3260CB52C00F}" dt="2024-09-04T18:34:02.417" v="41" actId="1076"/>
+          <ac:spMkLst>
+            <pc:docMk/>
+            <pc:sldMk cId="16669659" sldId="256"/>
+            <ac:spMk id="3" creationId="{E43C154A-A463-BA85-53B5-D7570D94380C}"/>
+          </ac:spMkLst>
+        </pc:spChg>
+        <pc:spChg chg="add">
+          <ac:chgData name="Toby Donaldson" userId="2e6e5431-bb17-4c41-9985-d39c50d83c73" providerId="ADAL" clId="{0113305C-7192-47BF-9775-3260CB52C00F}" dt="2024-09-04T18:31:16.774" v="4" actId="26606"/>
+          <ac:spMkLst>
+            <pc:docMk/>
+            <pc:sldMk cId="16669659" sldId="256"/>
+            <ac:spMk id="10" creationId="{026A84AF-6F58-471A-BF1F-10D8C03511C4}"/>
+          </ac:spMkLst>
+        </pc:spChg>
+        <pc:picChg chg="add mod">
+          <ac:chgData name="Toby Donaldson" userId="2e6e5431-bb17-4c41-9985-d39c50d83c73" providerId="ADAL" clId="{0113305C-7192-47BF-9775-3260CB52C00F}" dt="2024-09-04T18:31:16.774" v="4" actId="26606"/>
+          <ac:picMkLst>
+            <pc:docMk/>
+            <pc:sldMk cId="16669659" sldId="256"/>
+            <ac:picMk id="5" creationId="{AD286F6A-95EC-ADEA-3E8E-0FBEBAFDFA93}"/>
+          </ac:picMkLst>
+        </pc:picChg>
+      </pc:sldChg>
+      <pc:sldChg chg="addSp delSp modSp mod setBg">
+        <pc:chgData name="Toby Donaldson" userId="2e6e5431-bb17-4c41-9985-d39c50d83c73" providerId="ADAL" clId="{0113305C-7192-47BF-9775-3260CB52C00F}" dt="2024-09-04T18:44:09.832" v="238" actId="255"/>
+        <pc:sldMkLst>
+          <pc:docMk/>
+          <pc:sldMk cId="2835190045" sldId="257"/>
+        </pc:sldMkLst>
+        <pc:spChg chg="mod">
+          <ac:chgData name="Toby Donaldson" userId="2e6e5431-bb17-4c41-9985-d39c50d83c73" providerId="ADAL" clId="{0113305C-7192-47BF-9775-3260CB52C00F}" dt="2024-09-04T18:44:09.832" v="238" actId="255"/>
+          <ac:spMkLst>
+            <pc:docMk/>
+            <pc:sldMk cId="2835190045" sldId="257"/>
+            <ac:spMk id="3" creationId="{A16B7F1E-FBD1-738F-A3DB-3D0E94B51BDB}"/>
+          </ac:spMkLst>
+        </pc:spChg>
+        <pc:picChg chg="add del mod ord">
+          <ac:chgData name="Toby Donaldson" userId="2e6e5431-bb17-4c41-9985-d39c50d83c73" providerId="ADAL" clId="{0113305C-7192-47BF-9775-3260CB52C00F}" dt="2024-09-04T18:40:55.639" v="171" actId="21"/>
+          <ac:picMkLst>
+            <pc:docMk/>
+            <pc:sldMk cId="2835190045" sldId="257"/>
+            <ac:picMk id="5" creationId="{59450936-0530-C1DA-30D3-3F03E2931ECD}"/>
+          </ac:picMkLst>
+        </pc:picChg>
+      </pc:sldChg>
+      <pc:sldChg chg="modSp del mod">
+        <pc:chgData name="Toby Donaldson" userId="2e6e5431-bb17-4c41-9985-d39c50d83c73" providerId="ADAL" clId="{0113305C-7192-47BF-9775-3260CB52C00F}" dt="2024-09-04T18:46:18.047" v="249" actId="2696"/>
+        <pc:sldMkLst>
+          <pc:docMk/>
+          <pc:sldMk cId="2111219883" sldId="258"/>
+        </pc:sldMkLst>
+        <pc:spChg chg="mod">
+          <ac:chgData name="Toby Donaldson" userId="2e6e5431-bb17-4c41-9985-d39c50d83c73" providerId="ADAL" clId="{0113305C-7192-47BF-9775-3260CB52C00F}" dt="2024-09-04T18:44:27.472" v="245" actId="403"/>
+          <ac:spMkLst>
+            <pc:docMk/>
+            <pc:sldMk cId="2111219883" sldId="258"/>
+            <ac:spMk id="3" creationId="{18792C85-EDDE-99D0-36BA-7FF53ECA1755}"/>
+          </ac:spMkLst>
+        </pc:spChg>
+      </pc:sldChg>
+      <pc:sldChg chg="modSp mod">
+        <pc:chgData name="Toby Donaldson" userId="2e6e5431-bb17-4c41-9985-d39c50d83c73" providerId="ADAL" clId="{0113305C-7192-47BF-9775-3260CB52C00F}" dt="2024-09-04T18:44:40.835" v="246" actId="403"/>
+        <pc:sldMkLst>
+          <pc:docMk/>
+          <pc:sldMk cId="4081585701" sldId="259"/>
+        </pc:sldMkLst>
+        <pc:spChg chg="mod">
+          <ac:chgData name="Toby Donaldson" userId="2e6e5431-bb17-4c41-9985-d39c50d83c73" providerId="ADAL" clId="{0113305C-7192-47BF-9775-3260CB52C00F}" dt="2024-09-04T18:44:40.835" v="246" actId="403"/>
+          <ac:spMkLst>
+            <pc:docMk/>
+            <pc:sldMk cId="4081585701" sldId="259"/>
+            <ac:spMk id="3" creationId="{18792C85-EDDE-99D0-36BA-7FF53ECA1755}"/>
+          </ac:spMkLst>
+        </pc:spChg>
+      </pc:sldChg>
+      <pc:sldChg chg="modSp mod">
+        <pc:chgData name="Toby Donaldson" userId="2e6e5431-bb17-4c41-9985-d39c50d83c73" providerId="ADAL" clId="{0113305C-7192-47BF-9775-3260CB52C00F}" dt="2024-09-04T18:45:45.088" v="247" actId="113"/>
+        <pc:sldMkLst>
+          <pc:docMk/>
+          <pc:sldMk cId="1467356200" sldId="261"/>
+        </pc:sldMkLst>
+        <pc:spChg chg="mod">
+          <ac:chgData name="Toby Donaldson" userId="2e6e5431-bb17-4c41-9985-d39c50d83c73" providerId="ADAL" clId="{0113305C-7192-47BF-9775-3260CB52C00F}" dt="2024-09-04T18:45:45.088" v="247" actId="113"/>
+          <ac:spMkLst>
+            <pc:docMk/>
+            <pc:sldMk cId="1467356200" sldId="261"/>
+            <ac:spMk id="3" creationId="{A16B7F1E-FBD1-738F-A3DB-3D0E94B51BDB}"/>
+          </ac:spMkLst>
+        </pc:spChg>
+      </pc:sldChg>
+      <pc:sldChg chg="modSp mod">
+        <pc:chgData name="Toby Donaldson" userId="2e6e5431-bb17-4c41-9985-d39c50d83c73" providerId="ADAL" clId="{0113305C-7192-47BF-9775-3260CB52C00F}" dt="2024-09-04T18:46:24.745" v="252" actId="20577"/>
+        <pc:sldMkLst>
+          <pc:docMk/>
+          <pc:sldMk cId="1338911348" sldId="262"/>
+        </pc:sldMkLst>
+        <pc:spChg chg="mod">
+          <ac:chgData name="Toby Donaldson" userId="2e6e5431-bb17-4c41-9985-d39c50d83c73" providerId="ADAL" clId="{0113305C-7192-47BF-9775-3260CB52C00F}" dt="2024-09-04T18:46:24.745" v="252" actId="20577"/>
+          <ac:spMkLst>
+            <pc:docMk/>
+            <pc:sldMk cId="1338911348" sldId="262"/>
+            <ac:spMk id="3" creationId="{18792C85-EDDE-99D0-36BA-7FF53ECA1755}"/>
+          </ac:spMkLst>
+        </pc:spChg>
+      </pc:sldChg>
+      <pc:sldChg chg="modSp mod">
+        <pc:chgData name="Toby Donaldson" userId="2e6e5431-bb17-4c41-9985-d39c50d83c73" providerId="ADAL" clId="{0113305C-7192-47BF-9775-3260CB52C00F}" dt="2024-09-04T18:42:47.589" v="231" actId="20577"/>
+        <pc:sldMkLst>
+          <pc:docMk/>
+          <pc:sldMk cId="1759891140" sldId="263"/>
+        </pc:sldMkLst>
+        <pc:spChg chg="mod">
+          <ac:chgData name="Toby Donaldson" userId="2e6e5431-bb17-4c41-9985-d39c50d83c73" providerId="ADAL" clId="{0113305C-7192-47BF-9775-3260CB52C00F}" dt="2024-09-04T18:42:47.589" v="231" actId="20577"/>
+          <ac:spMkLst>
+            <pc:docMk/>
+            <pc:sldMk cId="1759891140" sldId="263"/>
+            <ac:spMk id="3" creationId="{18792C85-EDDE-99D0-36BA-7FF53ECA1755}"/>
+          </ac:spMkLst>
+        </pc:spChg>
+      </pc:sldChg>
+      <pc:sldChg chg="add">
+        <pc:chgData name="Toby Donaldson" userId="2e6e5431-bb17-4c41-9985-d39c50d83c73" providerId="ADAL" clId="{0113305C-7192-47BF-9775-3260CB52C00F}" dt="2024-09-04T18:46:13.759" v="248" actId="2890"/>
+        <pc:sldMkLst>
+          <pc:docMk/>
+          <pc:sldMk cId="4181702111" sldId="264"/>
+        </pc:sldMkLst>
+      </pc:sldChg>
+      <pc:sldMasterChg chg="modSldLayout">
+        <pc:chgData name="Toby Donaldson" userId="2e6e5431-bb17-4c41-9985-d39c50d83c73" providerId="ADAL" clId="{0113305C-7192-47BF-9775-3260CB52C00F}" dt="2024-09-04T18:40:40.416" v="170" actId="21"/>
+        <pc:sldMasterMkLst>
+          <pc:docMk/>
+          <pc:sldMasterMk cId="3715731139" sldId="2147483648"/>
+        </pc:sldMasterMkLst>
+        <pc:sldLayoutChg chg="addSp delSp modSp mod">
+          <pc:chgData name="Toby Donaldson" userId="2e6e5431-bb17-4c41-9985-d39c50d83c73" providerId="ADAL" clId="{0113305C-7192-47BF-9775-3260CB52C00F}" dt="2024-09-04T18:40:40.416" v="170" actId="21"/>
+          <pc:sldLayoutMkLst>
+            <pc:docMk/>
+            <pc:sldMasterMk cId="3715731139" sldId="2147483648"/>
+            <pc:sldLayoutMk cId="4262247665" sldId="2147483650"/>
+          </pc:sldLayoutMkLst>
+          <pc:picChg chg="add del mod ord">
+            <ac:chgData name="Toby Donaldson" userId="2e6e5431-bb17-4c41-9985-d39c50d83c73" providerId="ADAL" clId="{0113305C-7192-47BF-9775-3260CB52C00F}" dt="2024-09-04T18:40:40.416" v="170" actId="21"/>
+            <ac:picMkLst>
+              <pc:docMk/>
+              <pc:sldMasterMk cId="3715731139" sldId="2147483648"/>
+              <pc:sldLayoutMk cId="4262247665" sldId="2147483650"/>
+              <ac:picMk id="7" creationId="{AEDDA050-53C2-B542-E7E2-6CAEF1455DB7}"/>
+            </ac:picMkLst>
+          </pc:picChg>
+        </pc:sldLayoutChg>
+      </pc:sldMasterChg>
+    </pc:docChg>
+  </pc:docChgLst>
   <pc:docChgLst>
     <pc:chgData name="Toby Donaldson" userId="2e6e5431-bb17-4c41-9985-d39c50d83c73" providerId="ADAL" clId="{16F7336D-CCFA-43EB-9340-38F6E85F4A95}"/>
     <pc:docChg chg="undo custSel addSld modSld">
@@ -378,7 +556,7 @@
           <a:p>
             <a:fld id="{1C113DC9-7D87-43AD-B580-6A755EAA816A}" type="datetimeFigureOut">
               <a:rPr lang="en-AU" smtClean="0"/>
-              <a:t>3/09/2024</a:t>
+              <a:t>4/09/2024</a:t>
             </a:fld>
             <a:endParaRPr lang="en-AU"/>
           </a:p>
@@ -795,7 +973,7 @@
           <a:p>
             <a:fld id="{0538DAAF-C290-4824-9159-EB752B4BF898}" type="datetime1">
               <a:rPr lang="en-AU" smtClean="0"/>
-              <a:t>3/09/2024</a:t>
+              <a:t>4/09/2024</a:t>
             </a:fld>
             <a:endParaRPr lang="en-AU"/>
           </a:p>
@@ -995,7 +1173,7 @@
           <a:p>
             <a:fld id="{15ACC07A-DCF9-4822-8432-94F5CEE4B1A0}" type="datetime1">
               <a:rPr lang="en-AU" smtClean="0"/>
-              <a:t>3/09/2024</a:t>
+              <a:t>4/09/2024</a:t>
             </a:fld>
             <a:endParaRPr lang="en-AU"/>
           </a:p>
@@ -1205,7 +1383,7 @@
           <a:p>
             <a:fld id="{BB95C53D-E3D6-403B-BC6B-9ED697E84E31}" type="datetime1">
               <a:rPr lang="en-AU" smtClean="0"/>
-              <a:t>3/09/2024</a:t>
+              <a:t>4/09/2024</a:t>
             </a:fld>
             <a:endParaRPr lang="en-AU"/>
           </a:p>
@@ -1405,7 +1583,7 @@
           <a:p>
             <a:fld id="{C59B9E26-7110-4384-9E21-C398F99CCE78}" type="datetime1">
               <a:rPr lang="en-AU" smtClean="0"/>
-              <a:t>3/09/2024</a:t>
+              <a:t>4/09/2024</a:t>
             </a:fld>
             <a:endParaRPr lang="en-AU"/>
           </a:p>
@@ -1681,7 +1859,7 @@
           <a:p>
             <a:fld id="{07AC0423-21DA-4A91-95A5-17BAC3DCB5A5}" type="datetime1">
               <a:rPr lang="en-AU" smtClean="0"/>
-              <a:t>3/09/2024</a:t>
+              <a:t>4/09/2024</a:t>
             </a:fld>
             <a:endParaRPr lang="en-AU"/>
           </a:p>
@@ -1949,7 +2127,7 @@
           <a:p>
             <a:fld id="{A8755B0B-71E5-4583-85D7-8827163EBC20}" type="datetime1">
               <a:rPr lang="en-AU" smtClean="0"/>
-              <a:t>3/09/2024</a:t>
+              <a:t>4/09/2024</a:t>
             </a:fld>
             <a:endParaRPr lang="en-AU"/>
           </a:p>
@@ -2364,7 +2542,7 @@
           <a:p>
             <a:fld id="{6963404A-06F3-40E5-885C-037A37B6014A}" type="datetime1">
               <a:rPr lang="en-AU" smtClean="0"/>
-              <a:t>3/09/2024</a:t>
+              <a:t>4/09/2024</a:t>
             </a:fld>
             <a:endParaRPr lang="en-AU"/>
           </a:p>
@@ -2506,7 +2684,7 @@
           <a:p>
             <a:fld id="{BC1958F0-3FBA-40FF-9385-A78B1569984B}" type="datetime1">
               <a:rPr lang="en-AU" smtClean="0"/>
-              <a:t>3/09/2024</a:t>
+              <a:t>4/09/2024</a:t>
             </a:fld>
             <a:endParaRPr lang="en-AU"/>
           </a:p>
@@ -2619,7 +2797,7 @@
           <a:p>
             <a:fld id="{A3B7F17C-B3FC-4389-A305-0B4BBC8F0EF4}" type="datetime1">
               <a:rPr lang="en-AU" smtClean="0"/>
-              <a:t>3/09/2024</a:t>
+              <a:t>4/09/2024</a:t>
             </a:fld>
             <a:endParaRPr lang="en-AU"/>
           </a:p>
@@ -2932,7 +3110,7 @@
           <a:p>
             <a:fld id="{6FDD59DF-D5B1-4318-A3EB-4195186F26F4}" type="datetime1">
               <a:rPr lang="en-AU" smtClean="0"/>
-              <a:t>3/09/2024</a:t>
+              <a:t>4/09/2024</a:t>
             </a:fld>
             <a:endParaRPr lang="en-AU"/>
           </a:p>
@@ -3221,7 +3399,7 @@
           <a:p>
             <a:fld id="{CC97ACB7-039E-498F-8E6F-59ECF6A0DE54}" type="datetime1">
               <a:rPr lang="en-AU" smtClean="0"/>
-              <a:t>3/09/2024</a:t>
+              <a:t>4/09/2024</a:t>
             </a:fld>
             <a:endParaRPr lang="en-AU"/>
           </a:p>
@@ -3464,7 +3642,7 @@
           <a:p>
             <a:fld id="{4D268183-BD0C-429A-BC43-106F40EDD5BB}" type="datetime1">
               <a:rPr lang="en-AU" smtClean="0"/>
-              <a:t>3/09/2024</a:t>
+              <a:t>4/09/2024</a:t>
             </a:fld>
             <a:endParaRPr lang="en-AU"/>
           </a:p>
@@ -3868,6 +4046,14 @@
 <file path=ppt/slides/slide1.xml><?xml version="1.0" encoding="utf-8"?>
 <p:sld xmlns:a="http://schemas.openxmlformats.org/drawingml/2006/main" xmlns:r="http://schemas.openxmlformats.org/officeDocument/2006/relationships" xmlns:p="http://schemas.openxmlformats.org/presentationml/2006/main">
   <p:cSld>
+    <p:bg>
+      <p:bgPr>
+        <a:solidFill>
+          <a:schemeClr val="bg1"/>
+        </a:solidFill>
+        <a:effectLst/>
+      </p:bgPr>
+    </p:bg>
     <p:spTree>
       <p:nvGrpSpPr>
         <p:cNvPr id="1" name=""/>
@@ -3882,6 +4068,66 @@
           <a:chExt cx="0" cy="0"/>
         </a:xfrm>
       </p:grpSpPr>
+      <p:sp useBgFill="1">
+        <p:nvSpPr>
+          <p:cNvPr id="10" name="Rectangle 9">
+            <a:extLst>
+              <a:ext uri="{FF2B5EF4-FFF2-40B4-BE49-F238E27FC236}">
+                <a16:creationId xmlns:a16="http://schemas.microsoft.com/office/drawing/2014/main" id="{026A84AF-6F58-471A-BF1F-10D8C03511C4}"/>
+              </a:ext>
+              <a:ext uri="{C183D7F6-B498-43B3-948B-1728B52AA6E4}">
+                <adec:decorative xmlns:adec="http://schemas.microsoft.com/office/drawing/2017/decorative" val="1"/>
+              </a:ext>
+            </a:extLst>
+          </p:cNvPr>
+          <p:cNvSpPr>
+            <a:spLocks noGrp="1" noRot="1" noChangeAspect="1" noMove="1" noResize="1" noEditPoints="1" noAdjustHandles="1" noChangeArrowheads="1" noChangeShapeType="1" noTextEdit="1"/>
+          </p:cNvSpPr>
+          <p:nvPr>
+            <p:extLst>
+              <p:ext uri="{386F3935-93C4-4BCD-93E2-E3B085C9AB24}">
+                <p16:designElem xmlns:p16="http://schemas.microsoft.com/office/powerpoint/2015/main" val="1"/>
+              </p:ext>
+            </p:extLst>
+          </p:nvPr>
+        </p:nvSpPr>
+        <p:spPr>
+          <a:xfrm>
+            <a:off x="-1" y="0"/>
+            <a:ext cx="12188952" cy="6858000"/>
+          </a:xfrm>
+          <a:prstGeom prst="rect">
+            <a:avLst/>
+          </a:prstGeom>
+          <a:ln>
+            <a:noFill/>
+          </a:ln>
+        </p:spPr>
+        <p:style>
+          <a:lnRef idx="2">
+            <a:schemeClr val="accent1">
+              <a:shade val="50000"/>
+            </a:schemeClr>
+          </a:lnRef>
+          <a:fillRef idx="1">
+            <a:schemeClr val="accent1"/>
+          </a:fillRef>
+          <a:effectRef idx="0">
+            <a:schemeClr val="accent1"/>
+          </a:effectRef>
+          <a:fontRef idx="minor">
+            <a:schemeClr val="lt1"/>
+          </a:fontRef>
+        </p:style>
+        <p:txBody>
+          <a:bodyPr rtlCol="0" anchor="ctr"/>
+          <a:lstStyle/>
+          <a:p>
+            <a:pPr algn="ctr"/>
+            <a:endParaRPr lang="en-US"/>
+          </a:p>
+        </p:txBody>
+      </p:sp>
       <p:sp>
         <p:nvSpPr>
           <p:cNvPr id="2" name="Title 1">
@@ -3898,62 +4144,116 @@
             <p:ph type="ctrTitle"/>
           </p:nvPr>
         </p:nvSpPr>
-        <p:spPr/>
-        <p:txBody>
-          <a:bodyPr/>
+        <p:spPr>
+          <a:xfrm>
+            <a:off x="832184" y="1612232"/>
+            <a:ext cx="3785513" cy="1900804"/>
+          </a:xfrm>
+          <a:noFill/>
+        </p:spPr>
+        <p:txBody>
+          <a:bodyPr>
+            <a:normAutofit/>
+          </a:bodyPr>
+          <a:lstStyle/>
+          <a:p>
+            <a:pPr algn="l"/>
+            <a:r>
+              <a:rPr lang="en-CA" sz="4000" b="1" dirty="0"/>
+              <a:t>CMPT 120-D100</a:t>
+            </a:r>
+            <a:br>
+              <a:rPr lang="en-CA" sz="5200" dirty="0"/>
+            </a:br>
+            <a:endParaRPr lang="en-AU" sz="5200" dirty="0"/>
+          </a:p>
+        </p:txBody>
+      </p:sp>
+      <p:sp>
+        <p:nvSpPr>
+          <p:cNvPr id="3" name="Subtitle 2">
+            <a:extLst>
+              <a:ext uri="{FF2B5EF4-FFF2-40B4-BE49-F238E27FC236}">
+                <a16:creationId xmlns:a16="http://schemas.microsoft.com/office/drawing/2014/main" id="{E43C154A-A463-BA85-53B5-D7570D94380C}"/>
+              </a:ext>
+            </a:extLst>
+          </p:cNvPr>
+          <p:cNvSpPr>
+            <a:spLocks noGrp="1"/>
+          </p:cNvSpPr>
+          <p:nvPr>
+            <p:ph type="subTitle" idx="1"/>
+          </p:nvPr>
+        </p:nvSpPr>
+        <p:spPr>
+          <a:xfrm>
+            <a:off x="832184" y="3684756"/>
+            <a:ext cx="3785514" cy="1680298"/>
+          </a:xfrm>
+          <a:noFill/>
+        </p:spPr>
+        <p:txBody>
+          <a:bodyPr>
+            <a:normAutofit/>
+          </a:bodyPr>
           <a:lstStyle/>
           <a:p>
             <a:r>
               <a:rPr lang="en-CA" dirty="0"/>
-              <a:t>CMPT 120-D100</a:t>
+              <a:t>Fall 2024</a:t>
             </a:r>
             <a:br>
               <a:rPr lang="en-CA" dirty="0"/>
             </a:br>
             <a:r>
               <a:rPr lang="en-CA" dirty="0"/>
-              <a:t>Introduction</a:t>
+              <a:t>SFU Burnaby</a:t>
+            </a:r>
+          </a:p>
+          <a:p>
+            <a:r>
+              <a:rPr lang="en-CA" dirty="0"/>
+              <a:t>Instructor: Toby Donaldson</a:t>
             </a:r>
             <a:endParaRPr lang="en-AU" dirty="0"/>
           </a:p>
         </p:txBody>
       </p:sp>
-      <p:sp>
-        <p:nvSpPr>
-          <p:cNvPr id="3" name="Subtitle 2">
-            <a:extLst>
-              <a:ext uri="{FF2B5EF4-FFF2-40B4-BE49-F238E27FC236}">
-                <a16:creationId xmlns:a16="http://schemas.microsoft.com/office/drawing/2014/main" id="{E43C154A-A463-BA85-53B5-D7570D94380C}"/>
-              </a:ext>
-            </a:extLst>
-          </p:cNvPr>
-          <p:cNvSpPr>
-            <a:spLocks noGrp="1"/>
-          </p:cNvSpPr>
-          <p:nvPr>
-            <p:ph type="subTitle" idx="1"/>
-          </p:nvPr>
-        </p:nvSpPr>
-        <p:spPr/>
-        <p:txBody>
-          <a:bodyPr/>
-          <a:lstStyle/>
-          <a:p>
-            <a:r>
-              <a:rPr lang="en-CA" dirty="0"/>
-              <a:t>Fall 2024</a:t>
-            </a:r>
-            <a:br>
-              <a:rPr lang="en-CA" dirty="0"/>
-            </a:br>
-            <a:r>
-              <a:rPr lang="en-CA" dirty="0"/>
-              <a:t>SFU Burnaby</a:t>
-            </a:r>
-            <a:endParaRPr lang="en-AU" dirty="0"/>
-          </a:p>
-        </p:txBody>
-      </p:sp>
+      <p:pic>
+        <p:nvPicPr>
+          <p:cNvPr id="5" name="Picture 4" descr="A computer and a turtle&#10;&#10;Description automatically generated">
+            <a:extLst>
+              <a:ext uri="{FF2B5EF4-FFF2-40B4-BE49-F238E27FC236}">
+                <a16:creationId xmlns:a16="http://schemas.microsoft.com/office/drawing/2014/main" id="{AD286F6A-95EC-ADEA-3E8E-0FBEBAFDFA93}"/>
+              </a:ext>
+            </a:extLst>
+          </p:cNvPr>
+          <p:cNvPicPr>
+            <a:picLocks noChangeAspect="1"/>
+          </p:cNvPicPr>
+          <p:nvPr/>
+        </p:nvPicPr>
+        <p:blipFill>
+          <a:blip r:embed="rId2">
+            <a:extLst>
+              <a:ext uri="{28A0092B-C50C-407E-A947-70E740481C1C}">
+                <a14:useLocalDpi xmlns:a14="http://schemas.microsoft.com/office/drawing/2010/main" val="0"/>
+              </a:ext>
+            </a:extLst>
+          </a:blip>
+          <a:srcRect t="4518" r="-1" b="-1"/>
+          <a:stretch/>
+        </p:blipFill>
+        <p:spPr>
+          <a:xfrm>
+            <a:off x="5009505" y="10"/>
+            <a:ext cx="7182495" cy="6857990"/>
+          </a:xfrm>
+          <a:prstGeom prst="rect">
+            <a:avLst/>
+          </a:prstGeom>
+        </p:spPr>
+      </p:pic>
     </p:spTree>
     <p:extLst>
       <p:ext uri="{BB962C8B-B14F-4D97-AF65-F5344CB8AC3E}">
@@ -4036,14 +4336,20 @@
           </a:bodyPr>
           <a:lstStyle/>
           <a:p>
-            <a:r>
-              <a:rPr lang="en-CA" dirty="0"/>
+            <a:pPr marL="0" indent="0">
+              <a:buNone/>
+            </a:pPr>
+            <a:r>
+              <a:rPr lang="en-CA" sz="4000" dirty="0"/>
               <a:t>An introduction to computer science and Python programming</a:t>
             </a:r>
           </a:p>
           <a:p>
-            <a:r>
-              <a:rPr lang="en-CA" dirty="0"/>
+            <a:pPr marL="0" indent="0">
+              <a:buNone/>
+            </a:pPr>
+            <a:r>
+              <a:rPr lang="en-CA" sz="4000" dirty="0"/>
               <a:t>Assumes you have not taken a prior programmer course</a:t>
             </a:r>
           </a:p>
@@ -4156,53 +4462,79 @@
         <p:spPr/>
         <p:txBody>
           <a:bodyPr>
-            <a:normAutofit/>
+            <a:normAutofit lnSpcReduction="10000"/>
           </a:bodyPr>
           <a:lstStyle/>
           <a:p>
-            <a:r>
-              <a:rPr lang="en-CA" dirty="0"/>
-              <a:t>Check out Canvas</a:t>
-            </a:r>
-          </a:p>
-          <a:p>
-            <a:pPr lvl="1"/>
-            <a:r>
-              <a:rPr lang="en-CA" dirty="0"/>
+            <a:pPr marL="0" indent="0">
+              <a:buNone/>
+            </a:pPr>
+            <a:r>
+              <a:rPr lang="en-CA" sz="3600" dirty="0"/>
+              <a:t>Check out </a:t>
+            </a:r>
+            <a:r>
+              <a:rPr lang="en-CA" sz="3600" b="1" dirty="0"/>
+              <a:t>Canvas</a:t>
+            </a:r>
+          </a:p>
+          <a:p>
+            <a:pPr marL="457200" lvl="1" indent="0">
+              <a:buNone/>
+            </a:pPr>
+            <a:r>
+              <a:rPr lang="en-CA" sz="3200" dirty="0"/>
               <a:t>Dates and grades of assignments, quizzes, and exams</a:t>
             </a:r>
           </a:p>
           <a:p>
-            <a:pPr lvl="1"/>
-            <a:r>
-              <a:rPr lang="en-AU" dirty="0"/>
+            <a:pPr marL="457200" lvl="1" indent="0">
+              <a:buNone/>
+            </a:pPr>
+            <a:r>
+              <a:rPr lang="en-AU" sz="3200" dirty="0"/>
               <a:t>Office hours for teaching assistants (TAs)</a:t>
             </a:r>
           </a:p>
           <a:p>
-            <a:pPr lvl="1"/>
-            <a:r>
-              <a:rPr lang="en-AU" dirty="0"/>
+            <a:pPr marL="457200" lvl="1" indent="0">
+              <a:buNone/>
+            </a:pPr>
+            <a:r>
+              <a:rPr lang="en-AU" sz="3200" dirty="0"/>
               <a:t>Announcements, tech support, etc.</a:t>
             </a:r>
           </a:p>
           <a:p>
-            <a:r>
-              <a:rPr lang="en-AU" dirty="0"/>
+            <a:pPr marL="457200" lvl="1" indent="0">
+              <a:buNone/>
+            </a:pPr>
+            <a:endParaRPr lang="en-AU" sz="3200" dirty="0"/>
+          </a:p>
+          <a:p>
+            <a:pPr marL="0" indent="0">
+              <a:buNone/>
+            </a:pPr>
+            <a:r>
+              <a:rPr lang="en-AU" sz="3600" dirty="0"/>
               <a:t>Course notes are on a different website</a:t>
             </a:r>
           </a:p>
           <a:p>
-            <a:pPr lvl="1"/>
-            <a:r>
-              <a:rPr lang="en-AU" dirty="0"/>
+            <a:pPr marL="457200" lvl="1" indent="0">
+              <a:buNone/>
+            </a:pPr>
+            <a:r>
+              <a:rPr lang="en-AU" sz="3200" dirty="0"/>
               <a:t>Find it through the Canvas home page</a:t>
             </a:r>
           </a:p>
           <a:p>
-            <a:pPr lvl="1"/>
-            <a:r>
-              <a:rPr lang="en-AU" dirty="0"/>
+            <a:pPr marL="457200" lvl="1" indent="0">
+              <a:buNone/>
+            </a:pPr>
+            <a:r>
+              <a:rPr lang="en-AU" sz="3200" dirty="0"/>
               <a:t>Weekly lecture notes and homework activities (with solutions)</a:t>
             </a:r>
           </a:p>
@@ -4323,27 +4655,34 @@
           </a:bodyPr>
           <a:lstStyle/>
           <a:p>
+            <a:pPr marL="0" indent="0">
+              <a:buNone/>
+            </a:pPr>
             <a:r>
               <a:rPr lang="en-CA" dirty="0"/>
               <a:t>All the notes are freely online</a:t>
             </a:r>
           </a:p>
           <a:p>
-            <a:pPr lvl="1"/>
+            <a:pPr marL="457200" lvl="1" indent="0">
+              <a:buNone/>
+            </a:pPr>
             <a:r>
               <a:rPr lang="en-CA" dirty="0"/>
               <a:t>Textbook is online</a:t>
             </a:r>
           </a:p>
           <a:p>
-            <a:pPr lvl="1"/>
+            <a:pPr marL="457200" lvl="1" indent="0">
+              <a:buNone/>
+            </a:pPr>
             <a:r>
               <a:rPr lang="en-AU" dirty="0"/>
               <a:t>Lectures and practice questions are based on the textbook</a:t>
             </a:r>
-          </a:p>
-          <a:p>
-            <a:pPr lvl="1"/>
+            <a:br>
+              <a:rPr lang="en-AU" dirty="0"/>
+            </a:br>
             <a:endParaRPr lang="en-AU" dirty="0"/>
           </a:p>
         </p:txBody>
@@ -4380,7 +4719,7 @@
     </p:spTree>
     <p:extLst>
       <p:ext uri="{BB962C8B-B14F-4D97-AF65-F5344CB8AC3E}">
-        <p14:creationId xmlns:p14="http://schemas.microsoft.com/office/powerpoint/2010/main" val="2111219883"/>
+        <p14:creationId xmlns:p14="http://schemas.microsoft.com/office/powerpoint/2010/main" val="1338911348"/>
       </p:ext>
     </p:extLst>
   </p:cSld>
@@ -4459,33 +4798,49 @@
           </a:bodyPr>
           <a:lstStyle/>
           <a:p>
+            <a:pPr marL="0" indent="0">
+              <a:buNone/>
+            </a:pPr>
             <a:r>
               <a:rPr lang="en-CA" dirty="0"/>
               <a:t>All the notes are freely online</a:t>
             </a:r>
           </a:p>
           <a:p>
-            <a:pPr lvl="1"/>
+            <a:pPr marL="457200" lvl="1" indent="0">
+              <a:buNone/>
+            </a:pPr>
             <a:r>
               <a:rPr lang="en-CA" dirty="0"/>
               <a:t>Textbook is online</a:t>
             </a:r>
           </a:p>
           <a:p>
-            <a:pPr lvl="1"/>
+            <a:pPr marL="457200" lvl="1" indent="0">
+              <a:buNone/>
+            </a:pPr>
             <a:r>
               <a:rPr lang="en-AU" dirty="0"/>
               <a:t>Lectures and practice questions are based on the textbook</a:t>
             </a:r>
-          </a:p>
-          <a:p>
+            <a:br>
+              <a:rPr lang="en-AU" dirty="0"/>
+            </a:br>
+            <a:endParaRPr lang="en-AU" dirty="0"/>
+          </a:p>
+          <a:p>
+            <a:pPr marL="0" indent="0">
+              <a:buNone/>
+            </a:pPr>
             <a:r>
               <a:rPr lang="en-AU" dirty="0"/>
               <a:t>You should install Python on your own computer</a:t>
             </a:r>
           </a:p>
           <a:p>
-            <a:pPr lvl="1"/>
+            <a:pPr marL="457200" lvl="1" indent="0">
+              <a:buNone/>
+            </a:pPr>
             <a:r>
               <a:rPr lang="en-AU" dirty="0"/>
               <a:t>Go to </a:t>
@@ -4537,7 +4892,7 @@
     </p:spTree>
     <p:extLst>
       <p:ext uri="{BB962C8B-B14F-4D97-AF65-F5344CB8AC3E}">
-        <p14:creationId xmlns:p14="http://schemas.microsoft.com/office/powerpoint/2010/main" val="1338911348"/>
+        <p14:creationId xmlns:p14="http://schemas.microsoft.com/office/powerpoint/2010/main" val="4181702111"/>
       </p:ext>
     </p:extLst>
   </p:cSld>
@@ -4612,37 +4967,55 @@
         <p:spPr/>
         <p:txBody>
           <a:bodyPr>
-            <a:normAutofit lnSpcReduction="10000"/>
+            <a:normAutofit fontScale="92500" lnSpcReduction="10000"/>
           </a:bodyPr>
           <a:lstStyle/>
           <a:p>
+            <a:pPr marL="0" indent="0">
+              <a:buNone/>
+            </a:pPr>
             <a:r>
               <a:rPr lang="en-CA" dirty="0"/>
               <a:t>All the notes are freely online</a:t>
             </a:r>
           </a:p>
           <a:p>
-            <a:pPr lvl="1"/>
+            <a:pPr marL="457200" lvl="1" indent="0">
+              <a:buNone/>
+            </a:pPr>
             <a:r>
               <a:rPr lang="en-CA" dirty="0"/>
               <a:t>Textbook is online</a:t>
             </a:r>
           </a:p>
           <a:p>
-            <a:pPr lvl="1"/>
+            <a:pPr marL="457200" lvl="1" indent="0">
+              <a:buNone/>
+            </a:pPr>
             <a:r>
               <a:rPr lang="en-AU" dirty="0"/>
               <a:t>Lectures and practice questions are based on the textbook</a:t>
             </a:r>
           </a:p>
           <a:p>
+            <a:pPr marL="0" indent="0">
+              <a:buNone/>
+            </a:pPr>
+            <a:endParaRPr lang="en-AU" dirty="0"/>
+          </a:p>
+          <a:p>
+            <a:pPr marL="0" indent="0">
+              <a:buNone/>
+            </a:pPr>
             <a:r>
               <a:rPr lang="en-AU" dirty="0"/>
               <a:t>You should install Python on your own computer</a:t>
             </a:r>
           </a:p>
           <a:p>
-            <a:pPr lvl="1"/>
+            <a:pPr marL="457200" lvl="1" indent="0">
+              <a:buNone/>
+            </a:pPr>
             <a:r>
               <a:rPr lang="en-AU" dirty="0"/>
               <a:t>Go to </a:t>
@@ -4657,6 +5030,15 @@
             </a:r>
           </a:p>
           <a:p>
+            <a:pPr marL="0" indent="0">
+              <a:buNone/>
+            </a:pPr>
+            <a:endParaRPr lang="en-AU" dirty="0"/>
+          </a:p>
+          <a:p>
+            <a:pPr marL="0" indent="0">
+              <a:buNone/>
+            </a:pPr>
             <a:r>
               <a:rPr lang="en-AU" dirty="0"/>
               <a:t>You need a </a:t>
@@ -4679,32 +5061,38 @@
             </a:r>
           </a:p>
           <a:p>
-            <a:pPr lvl="1"/>
+            <a:pPr marL="457200" lvl="1" indent="0">
+              <a:buNone/>
+            </a:pPr>
             <a:r>
               <a:rPr lang="en-AU" b="1" dirty="0"/>
               <a:t>IDLE</a:t>
             </a:r>
             <a:r>
               <a:rPr lang="en-AU" dirty="0"/>
-              <a:t>, which comes with Python, is fine</a:t>
-            </a:r>
-          </a:p>
-          <a:p>
-            <a:pPr lvl="1"/>
+              <a:t>, which comes with Python, is good for this course</a:t>
+            </a:r>
+          </a:p>
+          <a:p>
+            <a:pPr marL="457200" lvl="1" indent="0">
+              <a:buNone/>
+            </a:pPr>
             <a:r>
               <a:rPr lang="en-AU" b="1" dirty="0"/>
               <a:t>VS Code </a:t>
             </a:r>
             <a:r>
               <a:rPr lang="en-AU" dirty="0"/>
-              <a:t>is another popular editor, very popular in industry</a:t>
-            </a:r>
-          </a:p>
-          <a:p>
-            <a:pPr lvl="1"/>
+              <a:t>is very popular in the software industry</a:t>
+            </a:r>
+          </a:p>
+          <a:p>
+            <a:pPr marL="457200" lvl="1" indent="0">
+              <a:buNone/>
+            </a:pPr>
             <a:r>
               <a:rPr lang="en-AU" dirty="0"/>
-              <a:t>You can find other Python editors online, including web pages that run Python for you automatically</a:t>
+              <a:t>You can find other Python editors online, including web pages that run Python</a:t>
             </a:r>
           </a:p>
           <a:p>
@@ -4828,79 +5216,107 @@
           </a:bodyPr>
           <a:lstStyle/>
           <a:p>
-            <a:r>
-              <a:rPr lang="en-CA" dirty="0"/>
+            <a:pPr marL="0" indent="0">
+              <a:buNone/>
+            </a:pPr>
+            <a:r>
+              <a:rPr lang="en-CA" sz="3200" dirty="0"/>
               <a:t>The lecture notes, homework questions, and assignments are mostly written in (</a:t>
             </a:r>
             <a:r>
-              <a:rPr lang="en-CA" dirty="0" err="1"/>
+              <a:rPr lang="en-CA" sz="3200" dirty="0" err="1"/>
               <a:t>Jupyter</a:t>
             </a:r>
             <a:r>
-              <a:rPr lang="en-CA" dirty="0"/>
-              <a:t>) notebooks</a:t>
-            </a:r>
-          </a:p>
-          <a:p>
-            <a:pPr lvl="1"/>
-            <a:r>
-              <a:rPr lang="en-CA" dirty="0"/>
+              <a:rPr lang="en-CA" sz="3200" dirty="0"/>
+              <a:t>) </a:t>
+            </a:r>
+            <a:r>
+              <a:rPr lang="en-CA" sz="3200" b="1" dirty="0"/>
+              <a:t>notebooks</a:t>
+            </a:r>
+          </a:p>
+          <a:p>
+            <a:pPr marL="457200" lvl="1" indent="0">
+              <a:buNone/>
+            </a:pPr>
+            <a:r>
+              <a:rPr lang="en-CA" sz="2800" dirty="0"/>
               <a:t>You can view them directly on the web</a:t>
             </a:r>
           </a:p>
           <a:p>
-            <a:pPr lvl="1"/>
-            <a:r>
-              <a:rPr lang="en-CA" dirty="0"/>
-              <a:t>No need to interact with the notebooks, but here are some options </a:t>
-            </a:r>
-            <a:r>
-              <a:rPr lang="en-CA"/>
-              <a:t>if you want to:</a:t>
-            </a:r>
-            <a:endParaRPr lang="en-CA" dirty="0"/>
-          </a:p>
-          <a:p>
-            <a:pPr lvl="2"/>
-            <a:r>
-              <a:rPr lang="en-CA" dirty="0"/>
+            <a:pPr marL="457200" lvl="1" indent="0">
+              <a:buNone/>
+            </a:pPr>
+            <a:r>
+              <a:rPr lang="en-CA" sz="2800" dirty="0"/>
+              <a:t>No need to interact with the notebooks, but here are some options if you want to:</a:t>
+            </a:r>
+          </a:p>
+          <a:p>
+            <a:pPr marL="914400" lvl="2" indent="0">
+              <a:buNone/>
+            </a:pPr>
+            <a:r>
+              <a:rPr lang="en-CA" sz="2400" b="1" dirty="0"/>
               <a:t>Google </a:t>
             </a:r>
             <a:r>
-              <a:rPr lang="en-CA" dirty="0" err="1"/>
+              <a:rPr lang="en-CA" sz="2400" b="1" dirty="0" err="1"/>
               <a:t>Colab</a:t>
             </a:r>
             <a:r>
-              <a:rPr lang="en-CA" dirty="0"/>
-              <a:t> (probably the easiest overall, but you need a Google account)</a:t>
-            </a:r>
-          </a:p>
-          <a:p>
-            <a:pPr lvl="2"/>
-            <a:r>
-              <a:rPr lang="en-CA" dirty="0" err="1"/>
+              <a:rPr lang="en-CA" sz="2400" b="1" dirty="0"/>
+              <a:t> </a:t>
+            </a:r>
+            <a:r>
+              <a:rPr lang="en-CA" sz="2400" dirty="0"/>
+              <a:t>(probably the easiest overall, but you need a Google account)</a:t>
+            </a:r>
+          </a:p>
+          <a:p>
+            <a:pPr marL="914400" lvl="2" indent="0">
+              <a:buNone/>
+            </a:pPr>
+            <a:r>
+              <a:rPr lang="en-CA" sz="2400" b="1" dirty="0" err="1"/>
               <a:t>Jupyter</a:t>
             </a:r>
             <a:r>
-              <a:rPr lang="en-CA" dirty="0"/>
-              <a:t> web viewer by typing a URL: </a:t>
-            </a:r>
-            <a:r>
-              <a:rPr lang="en-CA" dirty="0">
+              <a:rPr lang="en-CA" sz="2400" b="1" dirty="0"/>
+              <a:t> web viewer </a:t>
+            </a:r>
+            <a:r>
+              <a:rPr lang="en-CA" sz="2400" dirty="0"/>
+              <a:t>by typing a URL: </a:t>
+            </a:r>
+            <a:r>
+              <a:rPr lang="en-CA" sz="2400" dirty="0">
                 <a:hlinkClick r:id="rId2"/>
               </a:rPr>
               <a:t>https://nbviewer.org/</a:t>
             </a:r>
             <a:r>
-              <a:rPr lang="en-CA" dirty="0"/>
+              <a:rPr lang="en-CA" sz="2400" dirty="0"/>
               <a:t> </a:t>
             </a:r>
           </a:p>
           <a:p>
-            <a:pPr lvl="2"/>
-            <a:r>
-              <a:rPr lang="en-CA" dirty="0"/>
-              <a:t>VS Code, which takes a bit of setup; search the web for how to view notebooks in VS Code</a:t>
+            <a:pPr marL="914400" lvl="2" indent="0">
+              <a:buNone/>
+            </a:pPr>
+            <a:r>
+              <a:rPr lang="en-CA" sz="2400" dirty="0"/>
+              <a:t>VS</a:t>
+            </a:r>
+            <a:r>
+              <a:rPr lang="en-CA" sz="2400" b="1" dirty="0"/>
+              <a:t> Code</a:t>
+            </a:r>
+            <a:r>
+              <a:rPr lang="en-CA" sz="2400" dirty="0"/>
+              <a:t>, which takes a bit of setup; search the web for how to view notebooks in VS Code</a:t>
             </a:r>
           </a:p>
           <a:p>
